--- a/Document Metarial/HFRAS presentation 2 (algorithm).pptx
+++ b/Document Metarial/HFRAS presentation 2 (algorithm).pptx
@@ -8874,16 +8874,16 @@
           <a:p>
             <a:pPr algn="ctr"/>
             <a:r>
-              <a:rPr lang="en-IN" sz="2400" dirty="0">
+              <a:rPr lang="en-IN" sz="2400">
                 <a:solidFill>
                   <a:srgbClr val="3A3283"/>
                 </a:solidFill>
                 <a:latin typeface="Nexa Bold" panose="02000000000000000000" pitchFamily="50" charset="0"/>
               </a:rPr>
-              <a:t>56</a:t>
-            </a:r>
-            <a:r>
-              <a:rPr lang="en-IN" sz="1200" dirty="0">
+              <a:t>67</a:t>
+            </a:r>
+            <a:r>
+              <a:rPr lang="en-IN" sz="1200">
                 <a:solidFill>
                   <a:srgbClr val="3A3283"/>
                 </a:solidFill>
